--- a/english test/Eden Sun.pptx
+++ b/english test/Eden Sun.pptx
@@ -116,7 +116,7 @@
   </p:defaultTextStyle>
   <p:extLst>
     <p:ext uri="{EFAFB233-063F-42B5-8137-9DF3F51BA10A}">
-      <p15:sldGuideLst xmlns:p15="http://schemas.microsoft.com/office/powerpoint/2012/main" xmlns=""/>
+      <p15:sldGuideLst xmlns="" xmlns:p15="http://schemas.microsoft.com/office/powerpoint/2012/main"/>
     </p:ext>
   </p:extLst>
 </p:presentation>
@@ -163,7 +163,7 @@
           </a:ln>
           <a:extLst>
             <a:ext uri="{91240B29-F687-4F45-9708-019B960494DF}">
-              <a14:hiddenLine xmlns:a14="http://schemas.microsoft.com/office/drawing/2010/main" xmlns="" w="9525" algn="ctr">
+              <a14:hiddenLine xmlns="" xmlns:a14="http://schemas.microsoft.com/office/drawing/2010/main" w="9525" algn="ctr">
                 <a:solidFill>
                   <a:srgbClr val="000000"/>
                 </a:solidFill>
@@ -325,7 +325,7 @@
           </a:ln>
           <a:extLst>
             <a:ext uri="{91240B29-F687-4F45-9708-019B960494DF}">
-              <a14:hiddenLine xmlns:a14="http://schemas.microsoft.com/office/drawing/2010/main" xmlns="" w="9525" algn="ctr">
+              <a14:hiddenLine xmlns="" xmlns:a14="http://schemas.microsoft.com/office/drawing/2010/main" w="9525" algn="ctr">
                 <a:solidFill>
                   <a:srgbClr val="000000"/>
                 </a:solidFill>
@@ -484,14 +484,14 @@
           </a:ln>
           <a:extLst>
             <a:ext uri="{909E8E84-426E-40DD-AFC4-6F175D3DCCD1}">
-              <a14:hiddenFill xmlns:a14="http://schemas.microsoft.com/office/drawing/2010/main" xmlns="">
+              <a14:hiddenFill xmlns="" xmlns:a14="http://schemas.microsoft.com/office/drawing/2010/main">
                 <a:solidFill>
                   <a:srgbClr val="FFFFFF"/>
                 </a:solidFill>
               </a14:hiddenFill>
             </a:ext>
             <a:ext uri="{91240B29-F687-4F45-9708-019B960494DF}">
-              <a14:hiddenLine xmlns:a14="http://schemas.microsoft.com/office/drawing/2010/main" xmlns="" w="9525">
+              <a14:hiddenLine xmlns="" xmlns:a14="http://schemas.microsoft.com/office/drawing/2010/main" w="9525">
                 <a:solidFill>
                   <a:srgbClr val="000000"/>
                 </a:solidFill>
@@ -664,7 +664,7 @@
           <a:blip r:embed="rId2" cstate="print">
             <a:extLst>
               <a:ext uri="{28A0092B-C50C-407E-A947-70E740481C1C}">
-                <a14:useLocalDpi xmlns:a14="http://schemas.microsoft.com/office/drawing/2010/main" xmlns="" val="0"/>
+                <a14:useLocalDpi xmlns="" xmlns:a14="http://schemas.microsoft.com/office/drawing/2010/main" val="0"/>
               </a:ext>
             </a:extLst>
           </a:blip>
@@ -687,14 +687,14 @@
           </a:ln>
           <a:extLst>
             <a:ext uri="{909E8E84-426E-40DD-AFC4-6F175D3DCCD1}">
-              <a14:hiddenFill xmlns:a14="http://schemas.microsoft.com/office/drawing/2010/main" xmlns="">
+              <a14:hiddenFill xmlns="" xmlns:a14="http://schemas.microsoft.com/office/drawing/2010/main">
                 <a:solidFill>
                   <a:srgbClr val="FFFFFF"/>
                 </a:solidFill>
               </a14:hiddenFill>
             </a:ext>
             <a:ext uri="{91240B29-F687-4F45-9708-019B960494DF}">
-              <a14:hiddenLine xmlns:a14="http://schemas.microsoft.com/office/drawing/2010/main" xmlns="" w="9525">
+              <a14:hiddenLine xmlns="" xmlns:a14="http://schemas.microsoft.com/office/drawing/2010/main" w="9525">
                 <a:solidFill>
                   <a:srgbClr val="000000"/>
                 </a:solidFill>
@@ -718,7 +718,7 @@
           <a:blip r:embed="rId3" cstate="print">
             <a:extLst>
               <a:ext uri="{28A0092B-C50C-407E-A947-70E740481C1C}">
-                <a14:useLocalDpi xmlns:a14="http://schemas.microsoft.com/office/drawing/2010/main" xmlns="" val="0"/>
+                <a14:useLocalDpi xmlns="" xmlns:a14="http://schemas.microsoft.com/office/drawing/2010/main" val="0"/>
               </a:ext>
             </a:extLst>
           </a:blip>
@@ -741,14 +741,14 @@
           </a:ln>
           <a:extLst>
             <a:ext uri="{909E8E84-426E-40DD-AFC4-6F175D3DCCD1}">
-              <a14:hiddenFill xmlns:a14="http://schemas.microsoft.com/office/drawing/2010/main" xmlns="">
+              <a14:hiddenFill xmlns="" xmlns:a14="http://schemas.microsoft.com/office/drawing/2010/main">
                 <a:solidFill>
                   <a:srgbClr val="FFFFFF"/>
                 </a:solidFill>
               </a14:hiddenFill>
             </a:ext>
             <a:ext uri="{91240B29-F687-4F45-9708-019B960494DF}">
-              <a14:hiddenLine xmlns:a14="http://schemas.microsoft.com/office/drawing/2010/main" xmlns="" w="9525">
+              <a14:hiddenLine xmlns="" xmlns:a14="http://schemas.microsoft.com/office/drawing/2010/main" w="9525">
                 <a:solidFill>
                   <a:srgbClr val="000000"/>
                 </a:solidFill>
@@ -928,7 +928,7 @@
     </p:spTree>
     <p:extLst>
       <p:ext uri="{BB962C8B-B14F-4D97-AF65-F5344CB8AC3E}">
-        <p14:creationId xmlns:p14="http://schemas.microsoft.com/office/powerpoint/2010/main" xmlns="" val="1188936311"/>
+        <p14:creationId xmlns="" xmlns:p14="http://schemas.microsoft.com/office/powerpoint/2010/main" val="1188936311"/>
       </p:ext>
     </p:extLst>
   </p:cSld>
@@ -1475,7 +1475,7 @@
     </p:spTree>
     <p:extLst>
       <p:ext uri="{BB962C8B-B14F-4D97-AF65-F5344CB8AC3E}">
-        <p14:creationId xmlns:p14="http://schemas.microsoft.com/office/powerpoint/2010/main" xmlns="" val="670043943"/>
+        <p14:creationId xmlns="" xmlns:p14="http://schemas.microsoft.com/office/powerpoint/2010/main" val="670043943"/>
       </p:ext>
     </p:extLst>
   </p:cSld>
@@ -2144,7 +2144,7 @@
     </p:spTree>
     <p:extLst>
       <p:ext uri="{BB962C8B-B14F-4D97-AF65-F5344CB8AC3E}">
-        <p14:creationId xmlns:p14="http://schemas.microsoft.com/office/powerpoint/2010/main" xmlns="" val="1115822387"/>
+        <p14:creationId xmlns="" xmlns:p14="http://schemas.microsoft.com/office/powerpoint/2010/main" val="1115822387"/>
       </p:ext>
     </p:extLst>
   </p:cSld>
@@ -2800,7 +2800,7 @@
     </p:spTree>
     <p:extLst>
       <p:ext uri="{BB962C8B-B14F-4D97-AF65-F5344CB8AC3E}">
-        <p14:creationId xmlns:p14="http://schemas.microsoft.com/office/powerpoint/2010/main" xmlns="" val="1838295207"/>
+        <p14:creationId xmlns="" xmlns:p14="http://schemas.microsoft.com/office/powerpoint/2010/main" val="1838295207"/>
       </p:ext>
     </p:extLst>
   </p:cSld>
@@ -3578,7 +3578,7 @@
     </p:spTree>
     <p:extLst>
       <p:ext uri="{BB962C8B-B14F-4D97-AF65-F5344CB8AC3E}">
-        <p14:creationId xmlns:p14="http://schemas.microsoft.com/office/powerpoint/2010/main" xmlns="" val="2605234625"/>
+        <p14:creationId xmlns="" xmlns:p14="http://schemas.microsoft.com/office/powerpoint/2010/main" val="2605234625"/>
       </p:ext>
     </p:extLst>
   </p:cSld>
@@ -3632,7 +3632,7 @@
           </a:ln>
           <a:extLst>
             <a:ext uri="{91240B29-F687-4F45-9708-019B960494DF}">
-              <a14:hiddenLine xmlns:a14="http://schemas.microsoft.com/office/drawing/2010/main" xmlns="" w="9525" algn="ctr">
+              <a14:hiddenLine xmlns="" xmlns:a14="http://schemas.microsoft.com/office/drawing/2010/main" w="9525" algn="ctr">
                 <a:solidFill>
                   <a:srgbClr val="000000"/>
                 </a:solidFill>
@@ -3860,7 +3860,7 @@
     </p:spTree>
     <p:extLst>
       <p:ext uri="{BB962C8B-B14F-4D97-AF65-F5344CB8AC3E}">
-        <p14:creationId xmlns:p14="http://schemas.microsoft.com/office/powerpoint/2010/main" xmlns="" val="1152773573"/>
+        <p14:creationId xmlns="" xmlns:p14="http://schemas.microsoft.com/office/powerpoint/2010/main" val="1152773573"/>
       </p:ext>
     </p:extLst>
   </p:cSld>
@@ -3893,7 +3893,7 @@
     </p:spTree>
     <p:extLst>
       <p:ext uri="{BB962C8B-B14F-4D97-AF65-F5344CB8AC3E}">
-        <p14:creationId xmlns:p14="http://schemas.microsoft.com/office/powerpoint/2010/main" xmlns="" val="1819650118"/>
+        <p14:creationId xmlns="" xmlns:p14="http://schemas.microsoft.com/office/powerpoint/2010/main" val="1819650118"/>
       </p:ext>
     </p:extLst>
   </p:cSld>
@@ -4111,7 +4111,7 @@
     </p:spTree>
     <p:extLst>
       <p:ext uri="{BB962C8B-B14F-4D97-AF65-F5344CB8AC3E}">
-        <p14:creationId xmlns:p14="http://schemas.microsoft.com/office/powerpoint/2010/main" xmlns="" val="343059945"/>
+        <p14:creationId xmlns="" xmlns:p14="http://schemas.microsoft.com/office/powerpoint/2010/main" val="343059945"/>
       </p:ext>
     </p:extLst>
   </p:cSld>
@@ -4235,7 +4235,7 @@
     </p:spTree>
     <p:extLst>
       <p:ext uri="{BB962C8B-B14F-4D97-AF65-F5344CB8AC3E}">
-        <p14:creationId xmlns:p14="http://schemas.microsoft.com/office/powerpoint/2010/main" xmlns="" val="703864096"/>
+        <p14:creationId xmlns="" xmlns:p14="http://schemas.microsoft.com/office/powerpoint/2010/main" val="703864096"/>
       </p:ext>
     </p:extLst>
   </p:cSld>
@@ -4311,7 +4311,7 @@
     </p:spTree>
     <p:extLst>
       <p:ext uri="{BB962C8B-B14F-4D97-AF65-F5344CB8AC3E}">
-        <p14:creationId xmlns:p14="http://schemas.microsoft.com/office/powerpoint/2010/main" xmlns="" val="3766229676"/>
+        <p14:creationId xmlns="" xmlns:p14="http://schemas.microsoft.com/office/powerpoint/2010/main" val="3766229676"/>
       </p:ext>
     </p:extLst>
   </p:cSld>
@@ -4353,7 +4353,7 @@
           <a:blip r:embed="rId2" cstate="print">
             <a:extLst>
               <a:ext uri="{28A0092B-C50C-407E-A947-70E740481C1C}">
-                <a14:useLocalDpi xmlns:a14="http://schemas.microsoft.com/office/drawing/2010/main" xmlns="" val="0"/>
+                <a14:useLocalDpi xmlns="" xmlns:a14="http://schemas.microsoft.com/office/drawing/2010/main" val="0"/>
               </a:ext>
             </a:extLst>
           </a:blip>
@@ -4376,14 +4376,14 @@
           </a:ln>
           <a:extLst>
             <a:ext uri="{909E8E84-426E-40DD-AFC4-6F175D3DCCD1}">
-              <a14:hiddenFill xmlns:a14="http://schemas.microsoft.com/office/drawing/2010/main" xmlns="">
+              <a14:hiddenFill xmlns="" xmlns:a14="http://schemas.microsoft.com/office/drawing/2010/main">
                 <a:solidFill>
                   <a:srgbClr val="FFFFFF"/>
                 </a:solidFill>
               </a14:hiddenFill>
             </a:ext>
             <a:ext uri="{91240B29-F687-4F45-9708-019B960494DF}">
-              <a14:hiddenLine xmlns:a14="http://schemas.microsoft.com/office/drawing/2010/main" xmlns="" w="9525">
+              <a14:hiddenLine xmlns="" xmlns:a14="http://schemas.microsoft.com/office/drawing/2010/main" w="9525">
                 <a:solidFill>
                   <a:srgbClr val="000000"/>
                 </a:solidFill>
@@ -4417,14 +4417,14 @@
           </a:ln>
           <a:extLst>
             <a:ext uri="{909E8E84-426E-40DD-AFC4-6F175D3DCCD1}">
-              <a14:hiddenFill xmlns:a14="http://schemas.microsoft.com/office/drawing/2010/main" xmlns="">
+              <a14:hiddenFill xmlns="" xmlns:a14="http://schemas.microsoft.com/office/drawing/2010/main">
                 <a:solidFill>
                   <a:srgbClr val="FFFFFF"/>
                 </a:solidFill>
               </a14:hiddenFill>
             </a:ext>
             <a:ext uri="{91240B29-F687-4F45-9708-019B960494DF}">
-              <a14:hiddenLine xmlns:a14="http://schemas.microsoft.com/office/drawing/2010/main" xmlns="" w="9525">
+              <a14:hiddenLine xmlns="" xmlns:a14="http://schemas.microsoft.com/office/drawing/2010/main" w="9525">
                 <a:solidFill>
                   <a:srgbClr val="000000"/>
                 </a:solidFill>
@@ -4555,7 +4555,7 @@
     </p:spTree>
     <p:extLst>
       <p:ext uri="{BB962C8B-B14F-4D97-AF65-F5344CB8AC3E}">
-        <p14:creationId xmlns:p14="http://schemas.microsoft.com/office/powerpoint/2010/main" xmlns="" val="1323870965"/>
+        <p14:creationId xmlns="" xmlns:p14="http://schemas.microsoft.com/office/powerpoint/2010/main" val="1323870965"/>
       </p:ext>
     </p:extLst>
   </p:cSld>
@@ -4773,7 +4773,7 @@
     </p:spTree>
     <p:extLst>
       <p:ext uri="{BB962C8B-B14F-4D97-AF65-F5344CB8AC3E}">
-        <p14:creationId xmlns:p14="http://schemas.microsoft.com/office/powerpoint/2010/main" xmlns="" val="2159596030"/>
+        <p14:creationId xmlns="" xmlns:p14="http://schemas.microsoft.com/office/powerpoint/2010/main" val="2159596030"/>
       </p:ext>
     </p:extLst>
   </p:cSld>
@@ -4815,7 +4815,7 @@
           <a:blip r:embed="rId2" cstate="print">
             <a:extLst>
               <a:ext uri="{28A0092B-C50C-407E-A947-70E740481C1C}">
-                <a14:useLocalDpi xmlns:a14="http://schemas.microsoft.com/office/drawing/2010/main" xmlns="" val="0"/>
+                <a14:useLocalDpi xmlns="" xmlns:a14="http://schemas.microsoft.com/office/drawing/2010/main" val="0"/>
               </a:ext>
             </a:extLst>
           </a:blip>
@@ -4838,14 +4838,14 @@
           </a:ln>
           <a:extLst>
             <a:ext uri="{909E8E84-426E-40DD-AFC4-6F175D3DCCD1}">
-              <a14:hiddenFill xmlns:a14="http://schemas.microsoft.com/office/drawing/2010/main" xmlns="">
+              <a14:hiddenFill xmlns="" xmlns:a14="http://schemas.microsoft.com/office/drawing/2010/main">
                 <a:solidFill>
                   <a:srgbClr val="FFFFFF"/>
                 </a:solidFill>
               </a14:hiddenFill>
             </a:ext>
             <a:ext uri="{91240B29-F687-4F45-9708-019B960494DF}">
-              <a14:hiddenLine xmlns:a14="http://schemas.microsoft.com/office/drawing/2010/main" xmlns="" w="9525">
+              <a14:hiddenLine xmlns="" xmlns:a14="http://schemas.microsoft.com/office/drawing/2010/main" w="9525">
                 <a:solidFill>
                   <a:srgbClr val="000000"/>
                 </a:solidFill>
@@ -4860,7 +4860,7 @@
     </p:spTree>
     <p:extLst>
       <p:ext uri="{BB962C8B-B14F-4D97-AF65-F5344CB8AC3E}">
-        <p14:creationId xmlns:p14="http://schemas.microsoft.com/office/powerpoint/2010/main" xmlns="" val="210369276"/>
+        <p14:creationId xmlns="" xmlns:p14="http://schemas.microsoft.com/office/powerpoint/2010/main" val="210369276"/>
       </p:ext>
     </p:extLst>
   </p:cSld>
@@ -4902,7 +4902,7 @@
           <a:blip r:embed="rId2" cstate="print">
             <a:extLst>
               <a:ext uri="{28A0092B-C50C-407E-A947-70E740481C1C}">
-                <a14:useLocalDpi xmlns:a14="http://schemas.microsoft.com/office/drawing/2010/main" xmlns="" val="0"/>
+                <a14:useLocalDpi xmlns="" xmlns:a14="http://schemas.microsoft.com/office/drawing/2010/main" val="0"/>
               </a:ext>
             </a:extLst>
           </a:blip>
@@ -4925,14 +4925,14 @@
           </a:ln>
           <a:extLst>
             <a:ext uri="{909E8E84-426E-40DD-AFC4-6F175D3DCCD1}">
-              <a14:hiddenFill xmlns:a14="http://schemas.microsoft.com/office/drawing/2010/main" xmlns="">
+              <a14:hiddenFill xmlns="" xmlns:a14="http://schemas.microsoft.com/office/drawing/2010/main">
                 <a:solidFill>
                   <a:srgbClr val="FFFFFF"/>
                 </a:solidFill>
               </a14:hiddenFill>
             </a:ext>
             <a:ext uri="{91240B29-F687-4F45-9708-019B960494DF}">
-              <a14:hiddenLine xmlns:a14="http://schemas.microsoft.com/office/drawing/2010/main" xmlns="" w="9525">
+              <a14:hiddenLine xmlns="" xmlns:a14="http://schemas.microsoft.com/office/drawing/2010/main" w="9525">
                 <a:solidFill>
                   <a:srgbClr val="000000"/>
                 </a:solidFill>
@@ -4947,7 +4947,7 @@
     </p:spTree>
     <p:extLst>
       <p:ext uri="{BB962C8B-B14F-4D97-AF65-F5344CB8AC3E}">
-        <p14:creationId xmlns:p14="http://schemas.microsoft.com/office/powerpoint/2010/main" xmlns="" val="1539987570"/>
+        <p14:creationId xmlns="" xmlns:p14="http://schemas.microsoft.com/office/powerpoint/2010/main" val="1539987570"/>
       </p:ext>
     </p:extLst>
   </p:cSld>
@@ -4989,7 +4989,7 @@
           <a:blip r:embed="rId2" cstate="print">
             <a:extLst>
               <a:ext uri="{28A0092B-C50C-407E-A947-70E740481C1C}">
-                <a14:useLocalDpi xmlns:a14="http://schemas.microsoft.com/office/drawing/2010/main" xmlns="" val="0"/>
+                <a14:useLocalDpi xmlns="" xmlns:a14="http://schemas.microsoft.com/office/drawing/2010/main" val="0"/>
               </a:ext>
             </a:extLst>
           </a:blip>
@@ -5012,14 +5012,14 @@
           </a:ln>
           <a:extLst>
             <a:ext uri="{909E8E84-426E-40DD-AFC4-6F175D3DCCD1}">
-              <a14:hiddenFill xmlns:a14="http://schemas.microsoft.com/office/drawing/2010/main" xmlns="">
+              <a14:hiddenFill xmlns="" xmlns:a14="http://schemas.microsoft.com/office/drawing/2010/main">
                 <a:solidFill>
                   <a:srgbClr val="FFFFFF"/>
                 </a:solidFill>
               </a14:hiddenFill>
             </a:ext>
             <a:ext uri="{91240B29-F687-4F45-9708-019B960494DF}">
-              <a14:hiddenLine xmlns:a14="http://schemas.microsoft.com/office/drawing/2010/main" xmlns="" w="9525">
+              <a14:hiddenLine xmlns="" xmlns:a14="http://schemas.microsoft.com/office/drawing/2010/main" w="9525">
                 <a:solidFill>
                   <a:srgbClr val="000000"/>
                 </a:solidFill>
@@ -5034,7 +5034,7 @@
     </p:spTree>
     <p:extLst>
       <p:ext uri="{BB962C8B-B14F-4D97-AF65-F5344CB8AC3E}">
-        <p14:creationId xmlns:p14="http://schemas.microsoft.com/office/powerpoint/2010/main" xmlns="" val="2413086351"/>
+        <p14:creationId xmlns="" xmlns:p14="http://schemas.microsoft.com/office/powerpoint/2010/main" val="2413086351"/>
       </p:ext>
     </p:extLst>
   </p:cSld>
@@ -5076,7 +5076,7 @@
           <a:blip r:embed="rId2" cstate="print">
             <a:extLst>
               <a:ext uri="{28A0092B-C50C-407E-A947-70E740481C1C}">
-                <a14:useLocalDpi xmlns:a14="http://schemas.microsoft.com/office/drawing/2010/main" xmlns="" val="0"/>
+                <a14:useLocalDpi xmlns="" xmlns:a14="http://schemas.microsoft.com/office/drawing/2010/main" val="0"/>
               </a:ext>
             </a:extLst>
           </a:blip>
@@ -5099,14 +5099,14 @@
           </a:ln>
           <a:extLst>
             <a:ext uri="{909E8E84-426E-40DD-AFC4-6F175D3DCCD1}">
-              <a14:hiddenFill xmlns:a14="http://schemas.microsoft.com/office/drawing/2010/main" xmlns="">
+              <a14:hiddenFill xmlns="" xmlns:a14="http://schemas.microsoft.com/office/drawing/2010/main">
                 <a:solidFill>
                   <a:srgbClr val="FFFFFF"/>
                 </a:solidFill>
               </a14:hiddenFill>
             </a:ext>
             <a:ext uri="{91240B29-F687-4F45-9708-019B960494DF}">
-              <a14:hiddenLine xmlns:a14="http://schemas.microsoft.com/office/drawing/2010/main" xmlns="" w="9525">
+              <a14:hiddenLine xmlns="" xmlns:a14="http://schemas.microsoft.com/office/drawing/2010/main" w="9525">
                 <a:solidFill>
                   <a:srgbClr val="000000"/>
                 </a:solidFill>
@@ -5121,7 +5121,7 @@
     </p:spTree>
     <p:extLst>
       <p:ext uri="{BB962C8B-B14F-4D97-AF65-F5344CB8AC3E}">
-        <p14:creationId xmlns:p14="http://schemas.microsoft.com/office/powerpoint/2010/main" xmlns="" val="2772691826"/>
+        <p14:creationId xmlns="" xmlns:p14="http://schemas.microsoft.com/office/powerpoint/2010/main" val="2772691826"/>
       </p:ext>
     </p:extLst>
   </p:cSld>
@@ -5461,7 +5461,7 @@
     </p:spTree>
     <p:extLst>
       <p:ext uri="{BB962C8B-B14F-4D97-AF65-F5344CB8AC3E}">
-        <p14:creationId xmlns:p14="http://schemas.microsoft.com/office/powerpoint/2010/main" xmlns="" val="2307314605"/>
+        <p14:creationId xmlns="" xmlns:p14="http://schemas.microsoft.com/office/powerpoint/2010/main" val="2307314605"/>
       </p:ext>
     </p:extLst>
   </p:cSld>
@@ -5537,7 +5537,7 @@
     </p:spTree>
     <p:extLst>
       <p:ext uri="{BB962C8B-B14F-4D97-AF65-F5344CB8AC3E}">
-        <p14:creationId xmlns:p14="http://schemas.microsoft.com/office/powerpoint/2010/main" xmlns="" val="22721487"/>
+        <p14:creationId xmlns="" xmlns:p14="http://schemas.microsoft.com/office/powerpoint/2010/main" val="22721487"/>
       </p:ext>
     </p:extLst>
   </p:cSld>
@@ -5787,7 +5787,7 @@
     </p:spTree>
     <p:extLst>
       <p:ext uri="{BB962C8B-B14F-4D97-AF65-F5344CB8AC3E}">
-        <p14:creationId xmlns:p14="http://schemas.microsoft.com/office/powerpoint/2010/main" xmlns="" val="3013460021"/>
+        <p14:creationId xmlns="" xmlns:p14="http://schemas.microsoft.com/office/powerpoint/2010/main" val="3013460021"/>
       </p:ext>
     </p:extLst>
   </p:cSld>
@@ -5994,7 +5994,7 @@
     </p:spTree>
     <p:extLst>
       <p:ext uri="{BB962C8B-B14F-4D97-AF65-F5344CB8AC3E}">
-        <p14:creationId xmlns:p14="http://schemas.microsoft.com/office/powerpoint/2010/main" xmlns="" val="723175940"/>
+        <p14:creationId xmlns="" xmlns:p14="http://schemas.microsoft.com/office/powerpoint/2010/main" val="723175940"/>
       </p:ext>
     </p:extLst>
   </p:cSld>
@@ -6366,7 +6366,7 @@
     </p:spTree>
     <p:extLst>
       <p:ext uri="{BB962C8B-B14F-4D97-AF65-F5344CB8AC3E}">
-        <p14:creationId xmlns:p14="http://schemas.microsoft.com/office/powerpoint/2010/main" xmlns="" val="1403661166"/>
+        <p14:creationId xmlns="" xmlns:p14="http://schemas.microsoft.com/office/powerpoint/2010/main" val="1403661166"/>
       </p:ext>
     </p:extLst>
   </p:cSld>
@@ -6756,7 +6756,7 @@
     </p:spTree>
     <p:extLst>
       <p:ext uri="{BB962C8B-B14F-4D97-AF65-F5344CB8AC3E}">
-        <p14:creationId xmlns:p14="http://schemas.microsoft.com/office/powerpoint/2010/main" xmlns="" val="1547659207"/>
+        <p14:creationId xmlns="" xmlns:p14="http://schemas.microsoft.com/office/powerpoint/2010/main" val="1547659207"/>
       </p:ext>
     </p:extLst>
   </p:cSld>
@@ -7268,7 +7268,7 @@
     </p:spTree>
     <p:extLst>
       <p:ext uri="{BB962C8B-B14F-4D97-AF65-F5344CB8AC3E}">
-        <p14:creationId xmlns:p14="http://schemas.microsoft.com/office/powerpoint/2010/main" xmlns="" val="1289816526"/>
+        <p14:creationId xmlns="" xmlns:p14="http://schemas.microsoft.com/office/powerpoint/2010/main" val="1289816526"/>
       </p:ext>
     </p:extLst>
   </p:cSld>
@@ -7318,7 +7318,7 @@
           <a:blip r:embed="rId25" cstate="print">
             <a:extLst>
               <a:ext uri="{28A0092B-C50C-407E-A947-70E740481C1C}">
-                <a14:useLocalDpi xmlns:a14="http://schemas.microsoft.com/office/drawing/2010/main" xmlns="" val="0"/>
+                <a14:useLocalDpi xmlns="" xmlns:a14="http://schemas.microsoft.com/office/drawing/2010/main" val="0"/>
               </a:ext>
             </a:extLst>
           </a:blip>
@@ -7341,14 +7341,14 @@
           </a:ln>
           <a:extLst>
             <a:ext uri="{909E8E84-426E-40DD-AFC4-6F175D3DCCD1}">
-              <a14:hiddenFill xmlns:a14="http://schemas.microsoft.com/office/drawing/2010/main" xmlns="">
+              <a14:hiddenFill xmlns="" xmlns:a14="http://schemas.microsoft.com/office/drawing/2010/main">
                 <a:solidFill>
                   <a:srgbClr val="FFFFFF"/>
                 </a:solidFill>
               </a14:hiddenFill>
             </a:ext>
             <a:ext uri="{91240B29-F687-4F45-9708-019B960494DF}">
-              <a14:hiddenLine xmlns:a14="http://schemas.microsoft.com/office/drawing/2010/main" xmlns="" w="9525">
+              <a14:hiddenLine xmlns="" xmlns:a14="http://schemas.microsoft.com/office/drawing/2010/main" w="9525">
                 <a:solidFill>
                   <a:srgbClr val="000000"/>
                 </a:solidFill>
@@ -7382,14 +7382,14 @@
           </a:ln>
           <a:extLst>
             <a:ext uri="{909E8E84-426E-40DD-AFC4-6F175D3DCCD1}">
-              <a14:hiddenFill xmlns:a14="http://schemas.microsoft.com/office/drawing/2010/main" xmlns="">
+              <a14:hiddenFill xmlns="" xmlns:a14="http://schemas.microsoft.com/office/drawing/2010/main">
                 <a:solidFill>
                   <a:srgbClr val="FFFFFF"/>
                 </a:solidFill>
               </a14:hiddenFill>
             </a:ext>
             <a:ext uri="{91240B29-F687-4F45-9708-019B960494DF}">
-              <a14:hiddenLine xmlns:a14="http://schemas.microsoft.com/office/drawing/2010/main" xmlns="" w="9525">
+              <a14:hiddenLine xmlns="" xmlns:a14="http://schemas.microsoft.com/office/drawing/2010/main" w="9525">
                 <a:solidFill>
                   <a:srgbClr val="000000"/>
                 </a:solidFill>
@@ -7553,14 +7553,14 @@
           </a:ln>
           <a:extLst>
             <a:ext uri="{909E8E84-426E-40DD-AFC4-6F175D3DCCD1}">
-              <a14:hiddenFill xmlns:a14="http://schemas.microsoft.com/office/drawing/2010/main" xmlns="">
+              <a14:hiddenFill xmlns="" xmlns:a14="http://schemas.microsoft.com/office/drawing/2010/main">
                 <a:solidFill>
                   <a:srgbClr val="FFFFFF"/>
                 </a:solidFill>
               </a14:hiddenFill>
             </a:ext>
             <a:ext uri="{91240B29-F687-4F45-9708-019B960494DF}">
-              <a14:hiddenLine xmlns:a14="http://schemas.microsoft.com/office/drawing/2010/main" xmlns="" w="9525">
+              <a14:hiddenLine xmlns="" xmlns:a14="http://schemas.microsoft.com/office/drawing/2010/main" w="9525">
                 <a:solidFill>
                   <a:srgbClr val="000000"/>
                 </a:solidFill>
@@ -7739,14 +7739,14 @@
           </a:ln>
           <a:extLst>
             <a:ext uri="{909E8E84-426E-40DD-AFC4-6F175D3DCCD1}">
-              <a14:hiddenFill xmlns:a14="http://schemas.microsoft.com/office/drawing/2010/main" xmlns="">
+              <a14:hiddenFill xmlns="" xmlns:a14="http://schemas.microsoft.com/office/drawing/2010/main">
                 <a:solidFill>
                   <a:srgbClr val="FFFFFF"/>
                 </a:solidFill>
               </a14:hiddenFill>
             </a:ext>
             <a:ext uri="{91240B29-F687-4F45-9708-019B960494DF}">
-              <a14:hiddenLine xmlns:a14="http://schemas.microsoft.com/office/drawing/2010/main" xmlns="" w="9525">
+              <a14:hiddenLine xmlns="" xmlns:a14="http://schemas.microsoft.com/office/drawing/2010/main" w="9525">
                 <a:solidFill>
                   <a:srgbClr val="000000"/>
                 </a:solidFill>
@@ -7938,14 +7938,14 @@
               </a:ln>
               <a:extLst>
                 <a:ext uri="{909E8E84-426E-40DD-AFC4-6F175D3DCCD1}">
-                  <a14:hiddenFill xmlns:a14="http://schemas.microsoft.com/office/drawing/2010/main" xmlns="">
+                  <a14:hiddenFill xmlns="" xmlns:a14="http://schemas.microsoft.com/office/drawing/2010/main">
                     <a:solidFill>
                       <a:srgbClr val="FFFFFF"/>
                     </a:solidFill>
                   </a14:hiddenFill>
                 </a:ext>
                 <a:ext uri="{91240B29-F687-4F45-9708-019B960494DF}">
-                  <a14:hiddenLine xmlns:a14="http://schemas.microsoft.com/office/drawing/2010/main" xmlns="" w="9525">
+                  <a14:hiddenLine xmlns="" xmlns:a14="http://schemas.microsoft.com/office/drawing/2010/main" w="9525">
                     <a:solidFill>
                       <a:srgbClr val="000000"/>
                     </a:solidFill>
@@ -8090,7 +8090,7 @@
                       <a:spcPct val="0"/>
                     </a:spcAft>
                   </a:pPr>
-                  <a:t>22 May 2014</a:t>
+                  <a:t>23 May 2014</a:t>
                 </a:fld>
                 <a:endParaRPr lang="en-US" altLang="zh-CN" sz="900">
                   <a:solidFill>
@@ -8126,7 +8126,7 @@
               </a:ln>
               <a:extLst>
                 <a:ext uri="{91240B29-F687-4F45-9708-019B960494DF}">
-                  <a14:hiddenLine xmlns:a14="http://schemas.microsoft.com/office/drawing/2010/main" xmlns="" w="9525" algn="ctr">
+                  <a14:hiddenLine xmlns="" xmlns:a14="http://schemas.microsoft.com/office/drawing/2010/main" w="9525" algn="ctr">
                     <a:solidFill>
                       <a:srgbClr val="000000"/>
                     </a:solidFill>
@@ -8285,14 +8285,14 @@
               </a:ln>
               <a:extLst>
                 <a:ext uri="{909E8E84-426E-40DD-AFC4-6F175D3DCCD1}">
-                  <a14:hiddenFill xmlns:a14="http://schemas.microsoft.com/office/drawing/2010/main" xmlns="">
+                  <a14:hiddenFill xmlns="" xmlns:a14="http://schemas.microsoft.com/office/drawing/2010/main">
                     <a:solidFill>
                       <a:srgbClr val="FFFFFF"/>
                     </a:solidFill>
                   </a14:hiddenFill>
                 </a:ext>
                 <a:ext uri="{91240B29-F687-4F45-9708-019B960494DF}">
-                  <a14:hiddenLine xmlns:a14="http://schemas.microsoft.com/office/drawing/2010/main" xmlns="" w="9525">
+                  <a14:hiddenLine xmlns="" xmlns:a14="http://schemas.microsoft.com/office/drawing/2010/main" w="9525">
                     <a:solidFill>
                       <a:srgbClr val="000000"/>
                     </a:solidFill>
@@ -8484,14 +8484,14 @@
             </a:ln>
             <a:extLst>
               <a:ext uri="{909E8E84-426E-40DD-AFC4-6F175D3DCCD1}">
-                <a14:hiddenFill xmlns:a14="http://schemas.microsoft.com/office/drawing/2010/main" xmlns="">
+                <a14:hiddenFill xmlns="" xmlns:a14="http://schemas.microsoft.com/office/drawing/2010/main">
                   <a:solidFill>
                     <a:srgbClr val="FFFFFF"/>
                   </a:solidFill>
                 </a14:hiddenFill>
               </a:ext>
               <a:ext uri="{91240B29-F687-4F45-9708-019B960494DF}">
-                <a14:hiddenLine xmlns:a14="http://schemas.microsoft.com/office/drawing/2010/main" xmlns="" w="9525">
+                <a14:hiddenLine xmlns="" xmlns:a14="http://schemas.microsoft.com/office/drawing/2010/main" w="9525">
                   <a:solidFill>
                     <a:srgbClr val="000000"/>
                   </a:solidFill>
@@ -8669,7 +8669,7 @@
             <a:blip r:embed="rId26" cstate="print">
               <a:extLst>
                 <a:ext uri="{28A0092B-C50C-407E-A947-70E740481C1C}">
-                  <a14:useLocalDpi xmlns:a14="http://schemas.microsoft.com/office/drawing/2010/main" xmlns="" val="0"/>
+                  <a14:useLocalDpi xmlns="" xmlns:a14="http://schemas.microsoft.com/office/drawing/2010/main" val="0"/>
                 </a:ext>
               </a:extLst>
             </a:blip>
@@ -8692,14 +8692,14 @@
             </a:ln>
             <a:extLst>
               <a:ext uri="{909E8E84-426E-40DD-AFC4-6F175D3DCCD1}">
-                <a14:hiddenFill xmlns:a14="http://schemas.microsoft.com/office/drawing/2010/main" xmlns="">
+                <a14:hiddenFill xmlns="" xmlns:a14="http://schemas.microsoft.com/office/drawing/2010/main">
                   <a:solidFill>
                     <a:srgbClr val="FFFFFF"/>
                   </a:solidFill>
                 </a14:hiddenFill>
               </a:ext>
               <a:ext uri="{91240B29-F687-4F45-9708-019B960494DF}">
-                <a14:hiddenLine xmlns:a14="http://schemas.microsoft.com/office/drawing/2010/main" xmlns="" w="9525">
+                <a14:hiddenLine xmlns="" xmlns:a14="http://schemas.microsoft.com/office/drawing/2010/main" w="9525">
                   <a:solidFill>
                     <a:srgbClr val="000000"/>
                   </a:solidFill>
@@ -8733,14 +8733,14 @@
             </a:ln>
             <a:extLst>
               <a:ext uri="{909E8E84-426E-40DD-AFC4-6F175D3DCCD1}">
-                <a14:hiddenFill xmlns:a14="http://schemas.microsoft.com/office/drawing/2010/main" xmlns="">
+                <a14:hiddenFill xmlns="" xmlns:a14="http://schemas.microsoft.com/office/drawing/2010/main">
                   <a:solidFill>
                     <a:srgbClr val="FFFFFF"/>
                   </a:solidFill>
                 </a14:hiddenFill>
               </a:ext>
               <a:ext uri="{91240B29-F687-4F45-9708-019B960494DF}">
-                <a14:hiddenLine xmlns:a14="http://schemas.microsoft.com/office/drawing/2010/main" xmlns="" w="9525">
+                <a14:hiddenLine xmlns="" xmlns:a14="http://schemas.microsoft.com/office/drawing/2010/main" w="9525">
                   <a:solidFill>
                     <a:srgbClr val="000000"/>
                   </a:solidFill>
@@ -8916,7 +8916,7 @@
           </a:ln>
           <a:extLst>
             <a:ext uri="{91240B29-F687-4F45-9708-019B960494DF}">
-              <a14:hiddenLine xmlns:a14="http://schemas.microsoft.com/office/drawing/2010/main" xmlns="" w="9525" algn="ctr">
+              <a14:hiddenLine xmlns="" xmlns:a14="http://schemas.microsoft.com/office/drawing/2010/main" w="9525" algn="ctr">
                 <a:solidFill>
                   <a:srgbClr val="000000"/>
                 </a:solidFill>
@@ -9057,7 +9057,7 @@
     </p:spTree>
     <p:extLst>
       <p:ext uri="{BB962C8B-B14F-4D97-AF65-F5344CB8AC3E}">
-        <p14:creationId xmlns:p14="http://schemas.microsoft.com/office/powerpoint/2010/main" xmlns="" val="3277456935"/>
+        <p14:creationId xmlns="" xmlns:p14="http://schemas.microsoft.com/office/powerpoint/2010/main" val="3277456935"/>
       </p:ext>
     </p:extLst>
   </p:cSld>
@@ -9619,7 +9619,7 @@
     </p:spTree>
     <p:extLst>
       <p:ext uri="{BB962C8B-B14F-4D97-AF65-F5344CB8AC3E}">
-        <p14:creationId xmlns:p14="http://schemas.microsoft.com/office/powerpoint/2010/main" xmlns="" val="1773034948"/>
+        <p14:creationId xmlns="" xmlns:p14="http://schemas.microsoft.com/office/powerpoint/2010/main" val="1773034948"/>
       </p:ext>
     </p:extLst>
   </p:cSld>
@@ -9725,7 +9725,7 @@
     </p:spTree>
     <p:extLst>
       <p:ext uri="{BB962C8B-B14F-4D97-AF65-F5344CB8AC3E}">
-        <p14:creationId xmlns:p14="http://schemas.microsoft.com/office/powerpoint/2010/main" xmlns="" val="4243420280"/>
+        <p14:creationId xmlns="" xmlns:p14="http://schemas.microsoft.com/office/powerpoint/2010/main" val="4243420280"/>
       </p:ext>
     </p:extLst>
   </p:cSld>
@@ -9805,7 +9805,7 @@
     </p:spTree>
     <p:extLst>
       <p:ext uri="{BB962C8B-B14F-4D97-AF65-F5344CB8AC3E}">
-        <p14:creationId xmlns:p14="http://schemas.microsoft.com/office/powerpoint/2010/main" xmlns="" val="324527799"/>
+        <p14:creationId xmlns="" xmlns:p14="http://schemas.microsoft.com/office/powerpoint/2010/main" val="324527799"/>
       </p:ext>
     </p:extLst>
   </p:cSld>
@@ -9980,7 +9980,7 @@
     </p:spTree>
     <p:extLst>
       <p:ext uri="{BB962C8B-B14F-4D97-AF65-F5344CB8AC3E}">
-        <p14:creationId xmlns:p14="http://schemas.microsoft.com/office/powerpoint/2010/main" xmlns="" val="3744716594"/>
+        <p14:creationId xmlns="" xmlns:p14="http://schemas.microsoft.com/office/powerpoint/2010/main" val="3744716594"/>
       </p:ext>
     </p:extLst>
   </p:cSld>
@@ -10083,7 +10083,7 @@
     </p:spTree>
     <p:extLst>
       <p:ext uri="{BB962C8B-B14F-4D97-AF65-F5344CB8AC3E}">
-        <p14:creationId xmlns:p14="http://schemas.microsoft.com/office/powerpoint/2010/main" xmlns="" val="701429691"/>
+        <p14:creationId xmlns="" xmlns:p14="http://schemas.microsoft.com/office/powerpoint/2010/main" val="701429691"/>
       </p:ext>
     </p:extLst>
   </p:cSld>
@@ -10161,7 +10161,7 @@
     </p:spTree>
     <p:extLst>
       <p:ext uri="{BB962C8B-B14F-4D97-AF65-F5344CB8AC3E}">
-        <p14:creationId xmlns:p14="http://schemas.microsoft.com/office/powerpoint/2010/main" xmlns="" val="3250563811"/>
+        <p14:creationId xmlns="" xmlns:p14="http://schemas.microsoft.com/office/powerpoint/2010/main" val="3250563811"/>
       </p:ext>
     </p:extLst>
   </p:cSld>
@@ -10275,7 +10275,7 @@
     </p:spTree>
     <p:extLst>
       <p:ext uri="{BB962C8B-B14F-4D97-AF65-F5344CB8AC3E}">
-        <p14:creationId xmlns:p14="http://schemas.microsoft.com/office/powerpoint/2010/main" xmlns="" val="1280220311"/>
+        <p14:creationId xmlns="" xmlns:p14="http://schemas.microsoft.com/office/powerpoint/2010/main" val="1280220311"/>
       </p:ext>
     </p:extLst>
   </p:cSld>
@@ -10382,7 +10382,7 @@
     </p:spTree>
     <p:extLst>
       <p:ext uri="{BB962C8B-B14F-4D97-AF65-F5344CB8AC3E}">
-        <p14:creationId xmlns:p14="http://schemas.microsoft.com/office/powerpoint/2010/main" xmlns="" val="350212214"/>
+        <p14:creationId xmlns="" xmlns:p14="http://schemas.microsoft.com/office/powerpoint/2010/main" val="350212214"/>
       </p:ext>
     </p:extLst>
   </p:cSld>
@@ -10480,20 +10480,17 @@
           <a:p>
             <a:r>
               <a:rPr lang="en-US" altLang="zh-CN" dirty="0" smtClean="0"/>
-              <a:t>wasted </a:t>
-            </a:r>
-            <a:r>
-              <a:rPr lang="en-US" altLang="zh-CN" dirty="0" smtClean="0"/>
-              <a:t>fuel : 4</a:t>
-            </a:r>
-            <a:r>
-              <a:rPr lang="en-US" altLang="zh-CN" dirty="0" smtClean="0"/>
-              <a:t> </a:t>
-            </a:r>
-            <a:r>
-              <a:rPr lang="en-US" altLang="zh-CN" dirty="0" smtClean="0"/>
-              <a:t>billion gallons in 2009</a:t>
-            </a:r>
+              <a:t>wasted fuel : 4 billion gallons </a:t>
+            </a:r>
+            <a:r>
+              <a:rPr lang="en-US" altLang="zh-CN" smtClean="0"/>
+              <a:t>in </a:t>
+            </a:r>
+            <a:r>
+              <a:rPr lang="en-US" altLang="zh-CN" smtClean="0"/>
+              <a:t>2009</a:t>
+            </a:r>
+            <a:endParaRPr lang="en-US" altLang="zh-CN" dirty="0" smtClean="0"/>
           </a:p>
           <a:p>
             <a:r>
@@ -10513,7 +10510,7 @@
     </p:spTree>
     <p:extLst>
       <p:ext uri="{BB962C8B-B14F-4D97-AF65-F5344CB8AC3E}">
-        <p14:creationId xmlns:p14="http://schemas.microsoft.com/office/powerpoint/2010/main" xmlns="" val="4243420280"/>
+        <p14:creationId xmlns="" xmlns:p14="http://schemas.microsoft.com/office/powerpoint/2010/main" val="4243420280"/>
       </p:ext>
     </p:extLst>
   </p:cSld>
@@ -10616,7 +10613,7 @@
     </p:spTree>
     <p:extLst>
       <p:ext uri="{BB962C8B-B14F-4D97-AF65-F5344CB8AC3E}">
-        <p14:creationId xmlns:p14="http://schemas.microsoft.com/office/powerpoint/2010/main" xmlns="" val="4243420280"/>
+        <p14:creationId xmlns="" xmlns:p14="http://schemas.microsoft.com/office/powerpoint/2010/main" val="4243420280"/>
       </p:ext>
     </p:extLst>
   </p:cSld>
